--- a/EDA Presentation.pptx
+++ b/EDA Presentation.pptx
@@ -291,7 +291,7 @@
               <a:pPr>
                 <a:defRPr/>
               </a:pPr>
-              <a:t>5/28/2020</a:t>
+              <a:t>5/29/2020</a:t>
             </a:fld>
             <a:endParaRPr lang="en-US" dirty="0"/>
           </a:p>
@@ -514,7 +514,7 @@
               <a:pPr>
                 <a:defRPr/>
               </a:pPr>
-              <a:t>5/28/2020</a:t>
+              <a:t>5/29/2020</a:t>
             </a:fld>
             <a:endParaRPr lang="en-US" dirty="0"/>
           </a:p>
@@ -1214,7 +1214,7 @@
           <a:p>
             <a:fld id="{4AAD347D-5ACD-4C99-B74B-A9C85AD731AF}" type="datetimeFigureOut">
               <a:rPr lang="en-US" smtClean="0"/>
-              <a:t>5/28/2020</a:t>
+              <a:t>5/29/2020</a:t>
             </a:fld>
             <a:endParaRPr lang="en-US" dirty="0"/>
           </a:p>
@@ -1420,7 +1420,7 @@
           <a:p>
             <a:fld id="{4509A250-FF31-4206-8172-F9D3106AACB1}" type="datetimeFigureOut">
               <a:rPr lang="en-US" smtClean="0"/>
-              <a:t>5/28/2020</a:t>
+              <a:t>5/29/2020</a:t>
             </a:fld>
             <a:endParaRPr lang="en-US" dirty="0"/>
           </a:p>
@@ -1692,7 +1692,7 @@
           <a:p>
             <a:fld id="{4AAD347D-5ACD-4C99-B74B-A9C85AD731AF}" type="datetimeFigureOut">
               <a:rPr lang="en-US" smtClean="0"/>
-              <a:t>5/28/2020</a:t>
+              <a:t>5/29/2020</a:t>
             </a:fld>
             <a:endParaRPr lang="en-US" dirty="0"/>
           </a:p>
@@ -2328,7 +2328,7 @@
           <a:p>
             <a:fld id="{4509A250-FF31-4206-8172-F9D3106AACB1}" type="datetimeFigureOut">
               <a:rPr lang="en-US" smtClean="0"/>
-              <a:t>5/28/2020</a:t>
+              <a:t>5/29/2020</a:t>
             </a:fld>
             <a:endParaRPr lang="en-US" dirty="0"/>
           </a:p>
@@ -2751,7 +2751,7 @@
           <a:p>
             <a:fld id="{4AAD347D-5ACD-4C99-B74B-A9C85AD731AF}" type="datetimeFigureOut">
               <a:rPr lang="en-US" smtClean="0"/>
-              <a:t>5/28/2020</a:t>
+              <a:t>5/29/2020</a:t>
             </a:fld>
             <a:endParaRPr lang="en-US" dirty="0"/>
           </a:p>
@@ -3024,7 +3024,7 @@
           <a:p>
             <a:fld id="{9796027F-7875-4030-9381-8BD8C4F21935}" type="datetimeFigureOut">
               <a:rPr lang="en-US" smtClean="0"/>
-              <a:t>5/28/2020</a:t>
+              <a:t>5/29/2020</a:t>
             </a:fld>
             <a:endParaRPr lang="en-US" dirty="0"/>
           </a:p>
@@ -3407,7 +3407,7 @@
           <a:p>
             <a:fld id="{9796027F-7875-4030-9381-8BD8C4F21935}" type="datetimeFigureOut">
               <a:rPr lang="en-US" smtClean="0"/>
-              <a:t>5/28/2020</a:t>
+              <a:t>5/29/2020</a:t>
             </a:fld>
             <a:endParaRPr lang="en-US" dirty="0"/>
           </a:p>
@@ -3529,7 +3529,7 @@
           <a:p>
             <a:fld id="{4509A250-FF31-4206-8172-F9D3106AACB1}" type="datetimeFigureOut">
               <a:rPr lang="en-US" smtClean="0"/>
-              <a:t>5/28/2020</a:t>
+              <a:t>5/29/2020</a:t>
             </a:fld>
             <a:endParaRPr lang="en-US" dirty="0"/>
           </a:p>
@@ -3905,7 +3905,7 @@
           <a:p>
             <a:fld id="{4509A250-FF31-4206-8172-F9D3106AACB1}" type="datetimeFigureOut">
               <a:rPr lang="en-US" smtClean="0"/>
-              <a:t>5/28/2020</a:t>
+              <a:t>5/29/2020</a:t>
             </a:fld>
             <a:endParaRPr lang="en-US" dirty="0"/>
           </a:p>
@@ -4287,7 +4287,7 @@
           <a:p>
             <a:fld id="{4509A250-FF31-4206-8172-F9D3106AACB1}" type="datetimeFigureOut">
               <a:rPr lang="en-US" smtClean="0"/>
-              <a:t>5/28/2020</a:t>
+              <a:t>5/29/2020</a:t>
             </a:fld>
             <a:endParaRPr lang="en-US" dirty="0"/>
           </a:p>
@@ -4574,7 +4574,7 @@
           <a:p>
             <a:fld id="{4AAD347D-5ACD-4C99-B74B-A9C85AD731AF}" type="datetimeFigureOut">
               <a:rPr lang="en-US" smtClean="0"/>
-              <a:t>5/28/2020</a:t>
+              <a:t>5/29/2020</a:t>
             </a:fld>
             <a:endParaRPr lang="en-US" dirty="0"/>
           </a:p>
@@ -5972,8 +5972,8 @@
         </p:nvSpPr>
         <p:spPr>
           <a:xfrm>
-            <a:off x="859536" y="1151025"/>
-            <a:ext cx="7101840" cy="369332"/>
+            <a:off x="859536" y="1018820"/>
+            <a:ext cx="7101840" cy="646331"/>
           </a:xfrm>
           <a:prstGeom prst="rect">
             <a:avLst/>
@@ -6000,7 +6000,7 @@
             </a:r>
             <a:r>
               <a:rPr lang="en-AU" dirty="0"/>
-              <a:t> dropped significantly in 2019!</a:t>
+              <a:t> follows a similar pattern from 2016 to 2018 and no comments can be made for 2019 as only quarterly data is available</a:t>
             </a:r>
           </a:p>
         </p:txBody>
